--- a/AOD.pptx
+++ b/AOD.pptx
@@ -10,6 +10,9 @@
     <p:sldId id="258" r:id="rId4"/>
     <p:sldId id="259" r:id="rId5"/>
     <p:sldId id="260" r:id="rId6"/>
+    <p:sldId id="261" r:id="rId7"/>
+    <p:sldId id="262" r:id="rId8"/>
+    <p:sldId id="263" r:id="rId9"/>
   </p:sldIdLst>
   <p:sldSz cx="12192000" cy="6858000"/>
   <p:notesSz cx="6858000" cy="9144000"/>
@@ -108,6 +111,11 @@
       </a:defRPr>
     </a:lvl9pPr>
   </p:defaultTextStyle>
+  <p:extLst>
+    <p:ext uri="{EFAFB233-063F-42B5-8137-9DF3F51BA10A}">
+      <p15:sldGuideLst xmlns:p15="http://schemas.microsoft.com/office/powerpoint/2012/main"/>
+    </p:ext>
+  </p:extLst>
 </p:presentation>
 </file>
 
@@ -4162,6 +4170,2024 @@
 </p:sld>
 </file>
 
+<file path=ppt/slides/slide6.xml><?xml version="1.0" encoding="utf-8"?>
+<p:sld xmlns:a="http://schemas.openxmlformats.org/drawingml/2006/main" xmlns:r="http://schemas.openxmlformats.org/officeDocument/2006/relationships" xmlns:p="http://schemas.openxmlformats.org/presentationml/2006/main">
+  <p:cSld>
+    <p:spTree>
+      <p:nvGrpSpPr>
+        <p:cNvPr id="1" name=""/>
+        <p:cNvGrpSpPr/>
+        <p:nvPr/>
+      </p:nvGrpSpPr>
+      <p:grpSpPr>
+        <a:xfrm>
+          <a:off x="0" y="0"/>
+          <a:ext cx="0" cy="0"/>
+          <a:chOff x="0" y="0"/>
+          <a:chExt cx="0" cy="0"/>
+        </a:xfrm>
+      </p:grpSpPr>
+      <p:sp>
+        <p:nvSpPr>
+          <p:cNvPr id="2" name="Title 1"/>
+          <p:cNvSpPr>
+            <a:spLocks noGrp="1"/>
+          </p:cNvSpPr>
+          <p:nvPr>
+            <p:ph type="title"/>
+          </p:nvPr>
+        </p:nvSpPr>
+        <p:spPr>
+          <a:xfrm>
+            <a:off x="838200" y="328179"/>
+            <a:ext cx="10515600" cy="1325563"/>
+          </a:xfrm>
+        </p:spPr>
+        <p:txBody>
+          <a:bodyPr/>
+          <a:lstStyle/>
+          <a:p>
+            <a:pPr algn="ctr"/>
+            <a:r>
+              <a:rPr lang="en-US" dirty="0"/>
+              <a:t>ROR Implementation</a:t>
+            </a:r>
+          </a:p>
+        </p:txBody>
+      </p:sp>
+      <p:sp>
+        <p:nvSpPr>
+          <p:cNvPr id="4" name="Rectangle 3"/>
+          <p:cNvSpPr/>
+          <p:nvPr/>
+        </p:nvSpPr>
+        <p:spPr>
+          <a:xfrm>
+            <a:off x="1357745" y="1551709"/>
+            <a:ext cx="9522691" cy="4156364"/>
+          </a:xfrm>
+          <a:prstGeom prst="rect">
+            <a:avLst/>
+          </a:prstGeom>
+          <a:noFill/>
+          <a:ln>
+            <a:noFill/>
+          </a:ln>
+        </p:spPr>
+        <p:style>
+          <a:lnRef idx="2">
+            <a:schemeClr val="accent1">
+              <a:shade val="50000"/>
+            </a:schemeClr>
+          </a:lnRef>
+          <a:fillRef idx="1">
+            <a:schemeClr val="accent1"/>
+          </a:fillRef>
+          <a:effectRef idx="0">
+            <a:schemeClr val="accent1"/>
+          </a:effectRef>
+          <a:fontRef idx="minor">
+            <a:schemeClr val="lt1"/>
+          </a:fontRef>
+        </p:style>
+        <p:txBody>
+          <a:bodyPr rtlCol="0" anchor="ctr"/>
+          <a:lstStyle/>
+          <a:p>
+            <a:pPr algn="ctr"/>
+            <a:endParaRPr lang="en-US"/>
+          </a:p>
+        </p:txBody>
+      </p:sp>
+      <p:sp>
+        <p:nvSpPr>
+          <p:cNvPr id="5" name="Rectangle 4"/>
+          <p:cNvSpPr/>
+          <p:nvPr/>
+        </p:nvSpPr>
+        <p:spPr>
+          <a:xfrm>
+            <a:off x="304799" y="1690687"/>
+            <a:ext cx="11647055" cy="1186585"/>
+          </a:xfrm>
+          <a:prstGeom prst="rect">
+            <a:avLst/>
+          </a:prstGeom>
+          <a:noFill/>
+          <a:ln>
+            <a:noFill/>
+          </a:ln>
+        </p:spPr>
+        <p:style>
+          <a:lnRef idx="2">
+            <a:schemeClr val="accent1">
+              <a:shade val="50000"/>
+            </a:schemeClr>
+          </a:lnRef>
+          <a:fillRef idx="1">
+            <a:schemeClr val="accent1"/>
+          </a:fillRef>
+          <a:effectRef idx="0">
+            <a:schemeClr val="accent1"/>
+          </a:effectRef>
+          <a:fontRef idx="minor">
+            <a:schemeClr val="lt1"/>
+          </a:fontRef>
+        </p:style>
+        <p:txBody>
+          <a:bodyPr rtlCol="0" anchor="ctr"/>
+          <a:lstStyle/>
+          <a:p>
+            <a:r>
+              <a:rPr lang="en-IN" dirty="0">
+                <a:solidFill>
+                  <a:schemeClr val="tx1"/>
+                </a:solidFill>
+              </a:rPr>
+              <a:t>The implementation of the relational operator replacement required for each relational operator to be replaced by every other one. </a:t>
+            </a:r>
+            <a:endParaRPr lang="en-US" dirty="0">
+              <a:solidFill>
+                <a:schemeClr val="tx1"/>
+              </a:solidFill>
+            </a:endParaRPr>
+          </a:p>
+        </p:txBody>
+      </p:sp>
+      <p:graphicFrame>
+        <p:nvGraphicFramePr>
+          <p:cNvPr id="6" name="Table 5"/>
+          <p:cNvGraphicFramePr>
+            <a:graphicFrameLocks noGrp="1"/>
+          </p:cNvGraphicFramePr>
+          <p:nvPr>
+            <p:extLst>
+              <p:ext uri="{D42A27DB-BD31-4B8C-83A1-F6EECF244321}">
+                <p14:modId xmlns:p14="http://schemas.microsoft.com/office/powerpoint/2010/main" val="1814194402"/>
+              </p:ext>
+            </p:extLst>
+          </p:nvPr>
+        </p:nvGraphicFramePr>
+        <p:xfrm>
+          <a:off x="602297" y="2714697"/>
+          <a:ext cx="5840176" cy="3665785"/>
+        </p:xfrm>
+        <a:graphic>
+          <a:graphicData uri="http://schemas.openxmlformats.org/drawingml/2006/table">
+            <a:tbl>
+              <a:tblPr firstRow="1" firstCol="1" bandRow="1">
+                <a:tableStyleId>{5C22544A-7EE6-4342-B048-85BDC9FD1C3A}</a:tableStyleId>
+              </a:tblPr>
+              <a:tblGrid>
+                <a:gridCol w="905751">
+                  <a:extLst>
+                    <a:ext uri="{9D8B030D-6E8A-4147-A177-3AD203B41FA5}">
+                      <a16:colId xmlns:a16="http://schemas.microsoft.com/office/drawing/2014/main" val="177858951"/>
+                    </a:ext>
+                  </a:extLst>
+                </a:gridCol>
+                <a:gridCol w="986885">
+                  <a:extLst>
+                    <a:ext uri="{9D8B030D-6E8A-4147-A177-3AD203B41FA5}">
+                      <a16:colId xmlns:a16="http://schemas.microsoft.com/office/drawing/2014/main" val="2734022107"/>
+                    </a:ext>
+                  </a:extLst>
+                </a:gridCol>
+                <a:gridCol w="986885">
+                  <a:extLst>
+                    <a:ext uri="{9D8B030D-6E8A-4147-A177-3AD203B41FA5}">
+                      <a16:colId xmlns:a16="http://schemas.microsoft.com/office/drawing/2014/main" val="1717685089"/>
+                    </a:ext>
+                  </a:extLst>
+                </a:gridCol>
+                <a:gridCol w="986885">
+                  <a:extLst>
+                    <a:ext uri="{9D8B030D-6E8A-4147-A177-3AD203B41FA5}">
+                      <a16:colId xmlns:a16="http://schemas.microsoft.com/office/drawing/2014/main" val="136178863"/>
+                    </a:ext>
+                  </a:extLst>
+                </a:gridCol>
+                <a:gridCol w="986885">
+                  <a:extLst>
+                    <a:ext uri="{9D8B030D-6E8A-4147-A177-3AD203B41FA5}">
+                      <a16:colId xmlns:a16="http://schemas.microsoft.com/office/drawing/2014/main" val="1526659126"/>
+                    </a:ext>
+                  </a:extLst>
+                </a:gridCol>
+                <a:gridCol w="986885">
+                  <a:extLst>
+                    <a:ext uri="{9D8B030D-6E8A-4147-A177-3AD203B41FA5}">
+                      <a16:colId xmlns:a16="http://schemas.microsoft.com/office/drawing/2014/main" val="4181345801"/>
+                    </a:ext>
+                  </a:extLst>
+                </a:gridCol>
+              </a:tblGrid>
+              <a:tr h="606293">
+                <a:tc>
+                  <a:txBody>
+                    <a:bodyPr/>
+                    <a:lstStyle/>
+                    <a:p>
+                      <a:pPr marL="0" marR="0" algn="ctr">
+                        <a:spcBef>
+                          <a:spcPts val="0"/>
+                        </a:spcBef>
+                        <a:spcAft>
+                          <a:spcPts val="0"/>
+                        </a:spcAft>
+                      </a:pPr>
+                      <a:r>
+                        <a:rPr lang="en-IN" sz="2800" dirty="0">
+                          <a:effectLst/>
+                        </a:rPr>
+                        <a:t>==</a:t>
+                      </a:r>
+                      <a:endParaRPr lang="en-US" sz="2600" dirty="0">
+                        <a:effectLst/>
+                        <a:latin typeface="Calibri" panose="020F0502020204030204" pitchFamily="34" charset="0"/>
+                        <a:ea typeface="Calibri" panose="020F0502020204030204" pitchFamily="34" charset="0"/>
+                        <a:cs typeface="Times New Roman" panose="02020603050405020304" pitchFamily="18" charset="0"/>
+                      </a:endParaRPr>
+                    </a:p>
+                  </a:txBody>
+                  <a:tcPr marL="159318" marR="159318" marT="0" marB="0"/>
+                </a:tc>
+                <a:tc>
+                  <a:txBody>
+                    <a:bodyPr/>
+                    <a:lstStyle/>
+                    <a:p>
+                      <a:pPr marL="0" marR="0" algn="ctr">
+                        <a:spcBef>
+                          <a:spcPts val="0"/>
+                        </a:spcBef>
+                        <a:spcAft>
+                          <a:spcPts val="0"/>
+                        </a:spcAft>
+                      </a:pPr>
+                      <a:r>
+                        <a:rPr lang="en-IN" sz="2800">
+                          <a:effectLst/>
+                        </a:rPr>
+                        <a:t>!=</a:t>
+                      </a:r>
+                      <a:endParaRPr lang="en-US" sz="2600">
+                        <a:effectLst/>
+                        <a:latin typeface="Calibri" panose="020F0502020204030204" pitchFamily="34" charset="0"/>
+                        <a:ea typeface="Calibri" panose="020F0502020204030204" pitchFamily="34" charset="0"/>
+                        <a:cs typeface="Times New Roman" panose="02020603050405020304" pitchFamily="18" charset="0"/>
+                      </a:endParaRPr>
+                    </a:p>
+                  </a:txBody>
+                  <a:tcPr marL="159318" marR="159318" marT="0" marB="0"/>
+                </a:tc>
+                <a:tc>
+                  <a:txBody>
+                    <a:bodyPr/>
+                    <a:lstStyle/>
+                    <a:p>
+                      <a:pPr marL="0" marR="0" algn="ctr">
+                        <a:spcBef>
+                          <a:spcPts val="0"/>
+                        </a:spcBef>
+                        <a:spcAft>
+                          <a:spcPts val="0"/>
+                        </a:spcAft>
+                      </a:pPr>
+                      <a:r>
+                        <a:rPr lang="en-IN" sz="2800">
+                          <a:effectLst/>
+                        </a:rPr>
+                        <a:t>&gt;=</a:t>
+                      </a:r>
+                      <a:endParaRPr lang="en-US" sz="2600">
+                        <a:effectLst/>
+                        <a:latin typeface="Calibri" panose="020F0502020204030204" pitchFamily="34" charset="0"/>
+                        <a:ea typeface="Calibri" panose="020F0502020204030204" pitchFamily="34" charset="0"/>
+                        <a:cs typeface="Times New Roman" panose="02020603050405020304" pitchFamily="18" charset="0"/>
+                      </a:endParaRPr>
+                    </a:p>
+                  </a:txBody>
+                  <a:tcPr marL="159318" marR="159318" marT="0" marB="0"/>
+                </a:tc>
+                <a:tc>
+                  <a:txBody>
+                    <a:bodyPr/>
+                    <a:lstStyle/>
+                    <a:p>
+                      <a:pPr marL="0" marR="0" algn="ctr">
+                        <a:spcBef>
+                          <a:spcPts val="0"/>
+                        </a:spcBef>
+                        <a:spcAft>
+                          <a:spcPts val="0"/>
+                        </a:spcAft>
+                      </a:pPr>
+                      <a:r>
+                        <a:rPr lang="en-IN" sz="2800">
+                          <a:effectLst/>
+                        </a:rPr>
+                        <a:t>&gt; </a:t>
+                      </a:r>
+                      <a:endParaRPr lang="en-US" sz="2600">
+                        <a:effectLst/>
+                        <a:latin typeface="Calibri" panose="020F0502020204030204" pitchFamily="34" charset="0"/>
+                        <a:ea typeface="Calibri" panose="020F0502020204030204" pitchFamily="34" charset="0"/>
+                        <a:cs typeface="Times New Roman" panose="02020603050405020304" pitchFamily="18" charset="0"/>
+                      </a:endParaRPr>
+                    </a:p>
+                  </a:txBody>
+                  <a:tcPr marL="159318" marR="159318" marT="0" marB="0"/>
+                </a:tc>
+                <a:tc>
+                  <a:txBody>
+                    <a:bodyPr/>
+                    <a:lstStyle/>
+                    <a:p>
+                      <a:pPr marL="0" marR="0" algn="ctr">
+                        <a:spcBef>
+                          <a:spcPts val="0"/>
+                        </a:spcBef>
+                        <a:spcAft>
+                          <a:spcPts val="0"/>
+                        </a:spcAft>
+                      </a:pPr>
+                      <a:r>
+                        <a:rPr lang="en-IN" sz="2800">
+                          <a:effectLst/>
+                        </a:rPr>
+                        <a:t>&lt;=</a:t>
+                      </a:r>
+                      <a:endParaRPr lang="en-US" sz="2600">
+                        <a:effectLst/>
+                        <a:latin typeface="Calibri" panose="020F0502020204030204" pitchFamily="34" charset="0"/>
+                        <a:ea typeface="Calibri" panose="020F0502020204030204" pitchFamily="34" charset="0"/>
+                        <a:cs typeface="Times New Roman" panose="02020603050405020304" pitchFamily="18" charset="0"/>
+                      </a:endParaRPr>
+                    </a:p>
+                  </a:txBody>
+                  <a:tcPr marL="159318" marR="159318" marT="0" marB="0"/>
+                </a:tc>
+                <a:tc>
+                  <a:txBody>
+                    <a:bodyPr/>
+                    <a:lstStyle/>
+                    <a:p>
+                      <a:pPr marL="0" marR="0" algn="ctr">
+                        <a:spcBef>
+                          <a:spcPts val="0"/>
+                        </a:spcBef>
+                        <a:spcAft>
+                          <a:spcPts val="0"/>
+                        </a:spcAft>
+                      </a:pPr>
+                      <a:r>
+                        <a:rPr lang="en-IN" sz="2800">
+                          <a:effectLst/>
+                        </a:rPr>
+                        <a:t>&lt; </a:t>
+                      </a:r>
+                      <a:endParaRPr lang="en-US" sz="2600">
+                        <a:effectLst/>
+                        <a:latin typeface="Calibri" panose="020F0502020204030204" pitchFamily="34" charset="0"/>
+                        <a:ea typeface="Calibri" panose="020F0502020204030204" pitchFamily="34" charset="0"/>
+                        <a:cs typeface="Times New Roman" panose="02020603050405020304" pitchFamily="18" charset="0"/>
+                      </a:endParaRPr>
+                    </a:p>
+                  </a:txBody>
+                  <a:tcPr marL="159318" marR="159318" marT="0" marB="0"/>
+                </a:tc>
+                <a:extLst>
+                  <a:ext uri="{0D108BD9-81ED-4DB2-BD59-A6C34878D82A}">
+                    <a16:rowId xmlns:a16="http://schemas.microsoft.com/office/drawing/2014/main" val="227357228"/>
+                  </a:ext>
+                </a:extLst>
+              </a:tr>
+              <a:tr h="606293">
+                <a:tc>
+                  <a:txBody>
+                    <a:bodyPr/>
+                    <a:lstStyle/>
+                    <a:p>
+                      <a:pPr marL="0" marR="0" algn="ctr">
+                        <a:spcBef>
+                          <a:spcPts val="0"/>
+                        </a:spcBef>
+                        <a:spcAft>
+                          <a:spcPts val="0"/>
+                        </a:spcAft>
+                      </a:pPr>
+                      <a:r>
+                        <a:rPr lang="en-IN" sz="2800">
+                          <a:effectLst/>
+                        </a:rPr>
+                        <a:t>!=</a:t>
+                      </a:r>
+                      <a:endParaRPr lang="en-US" sz="2600">
+                        <a:effectLst/>
+                        <a:latin typeface="Calibri" panose="020F0502020204030204" pitchFamily="34" charset="0"/>
+                        <a:ea typeface="Calibri" panose="020F0502020204030204" pitchFamily="34" charset="0"/>
+                        <a:cs typeface="Times New Roman" panose="02020603050405020304" pitchFamily="18" charset="0"/>
+                      </a:endParaRPr>
+                    </a:p>
+                  </a:txBody>
+                  <a:tcPr marL="159318" marR="159318" marT="0" marB="0"/>
+                </a:tc>
+                <a:tc>
+                  <a:txBody>
+                    <a:bodyPr/>
+                    <a:lstStyle/>
+                    <a:p>
+                      <a:pPr marL="0" marR="0" algn="ctr">
+                        <a:spcBef>
+                          <a:spcPts val="0"/>
+                        </a:spcBef>
+                        <a:spcAft>
+                          <a:spcPts val="0"/>
+                        </a:spcAft>
+                      </a:pPr>
+                      <a:r>
+                        <a:rPr lang="en-IN" sz="2800">
+                          <a:effectLst/>
+                        </a:rPr>
+                        <a:t>&gt;=</a:t>
+                      </a:r>
+                      <a:endParaRPr lang="en-US" sz="2600">
+                        <a:effectLst/>
+                        <a:latin typeface="Calibri" panose="020F0502020204030204" pitchFamily="34" charset="0"/>
+                        <a:ea typeface="Calibri" panose="020F0502020204030204" pitchFamily="34" charset="0"/>
+                        <a:cs typeface="Times New Roman" panose="02020603050405020304" pitchFamily="18" charset="0"/>
+                      </a:endParaRPr>
+                    </a:p>
+                  </a:txBody>
+                  <a:tcPr marL="159318" marR="159318" marT="0" marB="0"/>
+                </a:tc>
+                <a:tc>
+                  <a:txBody>
+                    <a:bodyPr/>
+                    <a:lstStyle/>
+                    <a:p>
+                      <a:pPr marL="0" marR="0" algn="ctr">
+                        <a:spcBef>
+                          <a:spcPts val="0"/>
+                        </a:spcBef>
+                        <a:spcAft>
+                          <a:spcPts val="0"/>
+                        </a:spcAft>
+                      </a:pPr>
+                      <a:r>
+                        <a:rPr lang="en-IN" sz="2800">
+                          <a:effectLst/>
+                        </a:rPr>
+                        <a:t>&gt; </a:t>
+                      </a:r>
+                      <a:endParaRPr lang="en-US" sz="2600">
+                        <a:effectLst/>
+                        <a:latin typeface="Calibri" panose="020F0502020204030204" pitchFamily="34" charset="0"/>
+                        <a:ea typeface="Calibri" panose="020F0502020204030204" pitchFamily="34" charset="0"/>
+                        <a:cs typeface="Times New Roman" panose="02020603050405020304" pitchFamily="18" charset="0"/>
+                      </a:endParaRPr>
+                    </a:p>
+                  </a:txBody>
+                  <a:tcPr marL="159318" marR="159318" marT="0" marB="0"/>
+                </a:tc>
+                <a:tc>
+                  <a:txBody>
+                    <a:bodyPr/>
+                    <a:lstStyle/>
+                    <a:p>
+                      <a:pPr marL="0" marR="0" algn="ctr">
+                        <a:spcBef>
+                          <a:spcPts val="0"/>
+                        </a:spcBef>
+                        <a:spcAft>
+                          <a:spcPts val="0"/>
+                        </a:spcAft>
+                      </a:pPr>
+                      <a:r>
+                        <a:rPr lang="en-IN" sz="2800">
+                          <a:effectLst/>
+                        </a:rPr>
+                        <a:t>&lt;=</a:t>
+                      </a:r>
+                      <a:endParaRPr lang="en-US" sz="2600">
+                        <a:effectLst/>
+                        <a:latin typeface="Calibri" panose="020F0502020204030204" pitchFamily="34" charset="0"/>
+                        <a:ea typeface="Calibri" panose="020F0502020204030204" pitchFamily="34" charset="0"/>
+                        <a:cs typeface="Times New Roman" panose="02020603050405020304" pitchFamily="18" charset="0"/>
+                      </a:endParaRPr>
+                    </a:p>
+                  </a:txBody>
+                  <a:tcPr marL="159318" marR="159318" marT="0" marB="0"/>
+                </a:tc>
+                <a:tc>
+                  <a:txBody>
+                    <a:bodyPr/>
+                    <a:lstStyle/>
+                    <a:p>
+                      <a:pPr marL="0" marR="0" algn="ctr">
+                        <a:spcBef>
+                          <a:spcPts val="0"/>
+                        </a:spcBef>
+                        <a:spcAft>
+                          <a:spcPts val="0"/>
+                        </a:spcAft>
+                      </a:pPr>
+                      <a:r>
+                        <a:rPr lang="en-IN" sz="2800">
+                          <a:effectLst/>
+                        </a:rPr>
+                        <a:t>&lt; </a:t>
+                      </a:r>
+                      <a:endParaRPr lang="en-US" sz="2600">
+                        <a:effectLst/>
+                        <a:latin typeface="Calibri" panose="020F0502020204030204" pitchFamily="34" charset="0"/>
+                        <a:ea typeface="Calibri" panose="020F0502020204030204" pitchFamily="34" charset="0"/>
+                        <a:cs typeface="Times New Roman" panose="02020603050405020304" pitchFamily="18" charset="0"/>
+                      </a:endParaRPr>
+                    </a:p>
+                  </a:txBody>
+                  <a:tcPr marL="159318" marR="159318" marT="0" marB="0"/>
+                </a:tc>
+                <a:tc>
+                  <a:txBody>
+                    <a:bodyPr/>
+                    <a:lstStyle/>
+                    <a:p>
+                      <a:pPr marL="0" marR="0" algn="ctr">
+                        <a:spcBef>
+                          <a:spcPts val="0"/>
+                        </a:spcBef>
+                        <a:spcAft>
+                          <a:spcPts val="0"/>
+                        </a:spcAft>
+                      </a:pPr>
+                      <a:r>
+                        <a:rPr lang="en-IN" sz="2800">
+                          <a:effectLst/>
+                        </a:rPr>
+                        <a:t>==</a:t>
+                      </a:r>
+                      <a:endParaRPr lang="en-US" sz="2600">
+                        <a:effectLst/>
+                        <a:latin typeface="Calibri" panose="020F0502020204030204" pitchFamily="34" charset="0"/>
+                        <a:ea typeface="Calibri" panose="020F0502020204030204" pitchFamily="34" charset="0"/>
+                        <a:cs typeface="Times New Roman" panose="02020603050405020304" pitchFamily="18" charset="0"/>
+                      </a:endParaRPr>
+                    </a:p>
+                  </a:txBody>
+                  <a:tcPr marL="159318" marR="159318" marT="0" marB="0"/>
+                </a:tc>
+                <a:extLst>
+                  <a:ext uri="{0D108BD9-81ED-4DB2-BD59-A6C34878D82A}">
+                    <a16:rowId xmlns:a16="http://schemas.microsoft.com/office/drawing/2014/main" val="2678164184"/>
+                  </a:ext>
+                </a:extLst>
+              </a:tr>
+              <a:tr h="634320">
+                <a:tc>
+                  <a:txBody>
+                    <a:bodyPr/>
+                    <a:lstStyle/>
+                    <a:p>
+                      <a:pPr marL="0" marR="0" algn="ctr">
+                        <a:spcBef>
+                          <a:spcPts val="0"/>
+                        </a:spcBef>
+                        <a:spcAft>
+                          <a:spcPts val="0"/>
+                        </a:spcAft>
+                      </a:pPr>
+                      <a:r>
+                        <a:rPr lang="en-IN" sz="2800">
+                          <a:effectLst/>
+                        </a:rPr>
+                        <a:t>&gt;=</a:t>
+                      </a:r>
+                      <a:endParaRPr lang="en-US" sz="2600">
+                        <a:effectLst/>
+                        <a:latin typeface="Calibri" panose="020F0502020204030204" pitchFamily="34" charset="0"/>
+                        <a:ea typeface="Calibri" panose="020F0502020204030204" pitchFamily="34" charset="0"/>
+                        <a:cs typeface="Times New Roman" panose="02020603050405020304" pitchFamily="18" charset="0"/>
+                      </a:endParaRPr>
+                    </a:p>
+                  </a:txBody>
+                  <a:tcPr marL="159318" marR="159318" marT="0" marB="0"/>
+                </a:tc>
+                <a:tc>
+                  <a:txBody>
+                    <a:bodyPr/>
+                    <a:lstStyle/>
+                    <a:p>
+                      <a:pPr marL="0" marR="0" algn="ctr">
+                        <a:spcBef>
+                          <a:spcPts val="0"/>
+                        </a:spcBef>
+                        <a:spcAft>
+                          <a:spcPts val="0"/>
+                        </a:spcAft>
+                      </a:pPr>
+                      <a:r>
+                        <a:rPr lang="en-IN" sz="2800">
+                          <a:effectLst/>
+                        </a:rPr>
+                        <a:t>&gt; </a:t>
+                      </a:r>
+                      <a:endParaRPr lang="en-US" sz="2600">
+                        <a:effectLst/>
+                        <a:latin typeface="Calibri" panose="020F0502020204030204" pitchFamily="34" charset="0"/>
+                        <a:ea typeface="Calibri" panose="020F0502020204030204" pitchFamily="34" charset="0"/>
+                        <a:cs typeface="Times New Roman" panose="02020603050405020304" pitchFamily="18" charset="0"/>
+                      </a:endParaRPr>
+                    </a:p>
+                  </a:txBody>
+                  <a:tcPr marL="159318" marR="159318" marT="0" marB="0"/>
+                </a:tc>
+                <a:tc>
+                  <a:txBody>
+                    <a:bodyPr/>
+                    <a:lstStyle/>
+                    <a:p>
+                      <a:pPr marL="0" marR="0" algn="ctr">
+                        <a:spcBef>
+                          <a:spcPts val="0"/>
+                        </a:spcBef>
+                        <a:spcAft>
+                          <a:spcPts val="0"/>
+                        </a:spcAft>
+                      </a:pPr>
+                      <a:r>
+                        <a:rPr lang="en-IN" sz="2800">
+                          <a:effectLst/>
+                        </a:rPr>
+                        <a:t>&lt;=</a:t>
+                      </a:r>
+                      <a:endParaRPr lang="en-US" sz="2600">
+                        <a:effectLst/>
+                        <a:latin typeface="Calibri" panose="020F0502020204030204" pitchFamily="34" charset="0"/>
+                        <a:ea typeface="Calibri" panose="020F0502020204030204" pitchFamily="34" charset="0"/>
+                        <a:cs typeface="Times New Roman" panose="02020603050405020304" pitchFamily="18" charset="0"/>
+                      </a:endParaRPr>
+                    </a:p>
+                  </a:txBody>
+                  <a:tcPr marL="159318" marR="159318" marT="0" marB="0"/>
+                </a:tc>
+                <a:tc>
+                  <a:txBody>
+                    <a:bodyPr/>
+                    <a:lstStyle/>
+                    <a:p>
+                      <a:pPr marL="0" marR="0" algn="ctr">
+                        <a:spcBef>
+                          <a:spcPts val="0"/>
+                        </a:spcBef>
+                        <a:spcAft>
+                          <a:spcPts val="0"/>
+                        </a:spcAft>
+                      </a:pPr>
+                      <a:r>
+                        <a:rPr lang="en-IN" sz="2800">
+                          <a:effectLst/>
+                        </a:rPr>
+                        <a:t>&lt; </a:t>
+                      </a:r>
+                      <a:endParaRPr lang="en-US" sz="2600">
+                        <a:effectLst/>
+                        <a:latin typeface="Calibri" panose="020F0502020204030204" pitchFamily="34" charset="0"/>
+                        <a:ea typeface="Calibri" panose="020F0502020204030204" pitchFamily="34" charset="0"/>
+                        <a:cs typeface="Times New Roman" panose="02020603050405020304" pitchFamily="18" charset="0"/>
+                      </a:endParaRPr>
+                    </a:p>
+                  </a:txBody>
+                  <a:tcPr marL="159318" marR="159318" marT="0" marB="0"/>
+                </a:tc>
+                <a:tc>
+                  <a:txBody>
+                    <a:bodyPr/>
+                    <a:lstStyle/>
+                    <a:p>
+                      <a:pPr marL="0" marR="0" algn="ctr">
+                        <a:spcBef>
+                          <a:spcPts val="0"/>
+                        </a:spcBef>
+                        <a:spcAft>
+                          <a:spcPts val="0"/>
+                        </a:spcAft>
+                      </a:pPr>
+                      <a:r>
+                        <a:rPr lang="en-IN" sz="2800">
+                          <a:effectLst/>
+                        </a:rPr>
+                        <a:t>==</a:t>
+                      </a:r>
+                      <a:endParaRPr lang="en-US" sz="2600">
+                        <a:effectLst/>
+                        <a:latin typeface="Calibri" panose="020F0502020204030204" pitchFamily="34" charset="0"/>
+                        <a:ea typeface="Calibri" panose="020F0502020204030204" pitchFamily="34" charset="0"/>
+                        <a:cs typeface="Times New Roman" panose="02020603050405020304" pitchFamily="18" charset="0"/>
+                      </a:endParaRPr>
+                    </a:p>
+                  </a:txBody>
+                  <a:tcPr marL="159318" marR="159318" marT="0" marB="0"/>
+                </a:tc>
+                <a:tc>
+                  <a:txBody>
+                    <a:bodyPr/>
+                    <a:lstStyle/>
+                    <a:p>
+                      <a:pPr marL="0" marR="0" algn="ctr">
+                        <a:spcBef>
+                          <a:spcPts val="0"/>
+                        </a:spcBef>
+                        <a:spcAft>
+                          <a:spcPts val="0"/>
+                        </a:spcAft>
+                      </a:pPr>
+                      <a:r>
+                        <a:rPr lang="en-IN" sz="2800">
+                          <a:effectLst/>
+                        </a:rPr>
+                        <a:t>!=</a:t>
+                      </a:r>
+                      <a:endParaRPr lang="en-US" sz="2600">
+                        <a:effectLst/>
+                        <a:latin typeface="Calibri" panose="020F0502020204030204" pitchFamily="34" charset="0"/>
+                        <a:ea typeface="Calibri" panose="020F0502020204030204" pitchFamily="34" charset="0"/>
+                        <a:cs typeface="Times New Roman" panose="02020603050405020304" pitchFamily="18" charset="0"/>
+                      </a:endParaRPr>
+                    </a:p>
+                  </a:txBody>
+                  <a:tcPr marL="159318" marR="159318" marT="0" marB="0"/>
+                </a:tc>
+                <a:extLst>
+                  <a:ext uri="{0D108BD9-81ED-4DB2-BD59-A6C34878D82A}">
+                    <a16:rowId xmlns:a16="http://schemas.microsoft.com/office/drawing/2014/main" val="1460930711"/>
+                  </a:ext>
+                </a:extLst>
+              </a:tr>
+              <a:tr h="606293">
+                <a:tc>
+                  <a:txBody>
+                    <a:bodyPr/>
+                    <a:lstStyle/>
+                    <a:p>
+                      <a:pPr marL="0" marR="0" algn="ctr">
+                        <a:spcBef>
+                          <a:spcPts val="0"/>
+                        </a:spcBef>
+                        <a:spcAft>
+                          <a:spcPts val="0"/>
+                        </a:spcAft>
+                      </a:pPr>
+                      <a:r>
+                        <a:rPr lang="en-IN" sz="2800">
+                          <a:effectLst/>
+                        </a:rPr>
+                        <a:t>&gt; </a:t>
+                      </a:r>
+                      <a:endParaRPr lang="en-US" sz="2600">
+                        <a:effectLst/>
+                        <a:latin typeface="Calibri" panose="020F0502020204030204" pitchFamily="34" charset="0"/>
+                        <a:ea typeface="Calibri" panose="020F0502020204030204" pitchFamily="34" charset="0"/>
+                        <a:cs typeface="Times New Roman" panose="02020603050405020304" pitchFamily="18" charset="0"/>
+                      </a:endParaRPr>
+                    </a:p>
+                  </a:txBody>
+                  <a:tcPr marL="159318" marR="159318" marT="0" marB="0"/>
+                </a:tc>
+                <a:tc>
+                  <a:txBody>
+                    <a:bodyPr/>
+                    <a:lstStyle/>
+                    <a:p>
+                      <a:pPr marL="0" marR="0" algn="ctr">
+                        <a:spcBef>
+                          <a:spcPts val="0"/>
+                        </a:spcBef>
+                        <a:spcAft>
+                          <a:spcPts val="0"/>
+                        </a:spcAft>
+                      </a:pPr>
+                      <a:r>
+                        <a:rPr lang="en-IN" sz="2800">
+                          <a:effectLst/>
+                        </a:rPr>
+                        <a:t>&lt;=</a:t>
+                      </a:r>
+                      <a:endParaRPr lang="en-US" sz="2600">
+                        <a:effectLst/>
+                        <a:latin typeface="Calibri" panose="020F0502020204030204" pitchFamily="34" charset="0"/>
+                        <a:ea typeface="Calibri" panose="020F0502020204030204" pitchFamily="34" charset="0"/>
+                        <a:cs typeface="Times New Roman" panose="02020603050405020304" pitchFamily="18" charset="0"/>
+                      </a:endParaRPr>
+                    </a:p>
+                  </a:txBody>
+                  <a:tcPr marL="159318" marR="159318" marT="0" marB="0"/>
+                </a:tc>
+                <a:tc>
+                  <a:txBody>
+                    <a:bodyPr/>
+                    <a:lstStyle/>
+                    <a:p>
+                      <a:pPr marL="0" marR="0" algn="ctr">
+                        <a:spcBef>
+                          <a:spcPts val="0"/>
+                        </a:spcBef>
+                        <a:spcAft>
+                          <a:spcPts val="0"/>
+                        </a:spcAft>
+                      </a:pPr>
+                      <a:r>
+                        <a:rPr lang="en-IN" sz="2800">
+                          <a:effectLst/>
+                        </a:rPr>
+                        <a:t>&lt; </a:t>
+                      </a:r>
+                      <a:endParaRPr lang="en-US" sz="2600">
+                        <a:effectLst/>
+                        <a:latin typeface="Calibri" panose="020F0502020204030204" pitchFamily="34" charset="0"/>
+                        <a:ea typeface="Calibri" panose="020F0502020204030204" pitchFamily="34" charset="0"/>
+                        <a:cs typeface="Times New Roman" panose="02020603050405020304" pitchFamily="18" charset="0"/>
+                      </a:endParaRPr>
+                    </a:p>
+                  </a:txBody>
+                  <a:tcPr marL="159318" marR="159318" marT="0" marB="0"/>
+                </a:tc>
+                <a:tc>
+                  <a:txBody>
+                    <a:bodyPr/>
+                    <a:lstStyle/>
+                    <a:p>
+                      <a:pPr marL="0" marR="0" algn="ctr">
+                        <a:spcBef>
+                          <a:spcPts val="0"/>
+                        </a:spcBef>
+                        <a:spcAft>
+                          <a:spcPts val="0"/>
+                        </a:spcAft>
+                      </a:pPr>
+                      <a:r>
+                        <a:rPr lang="en-IN" sz="2800">
+                          <a:effectLst/>
+                        </a:rPr>
+                        <a:t>==</a:t>
+                      </a:r>
+                      <a:endParaRPr lang="en-US" sz="2600">
+                        <a:effectLst/>
+                        <a:latin typeface="Calibri" panose="020F0502020204030204" pitchFamily="34" charset="0"/>
+                        <a:ea typeface="Calibri" panose="020F0502020204030204" pitchFamily="34" charset="0"/>
+                        <a:cs typeface="Times New Roman" panose="02020603050405020304" pitchFamily="18" charset="0"/>
+                      </a:endParaRPr>
+                    </a:p>
+                  </a:txBody>
+                  <a:tcPr marL="159318" marR="159318" marT="0" marB="0"/>
+                </a:tc>
+                <a:tc>
+                  <a:txBody>
+                    <a:bodyPr/>
+                    <a:lstStyle/>
+                    <a:p>
+                      <a:pPr marL="0" marR="0" algn="ctr">
+                        <a:spcBef>
+                          <a:spcPts val="0"/>
+                        </a:spcBef>
+                        <a:spcAft>
+                          <a:spcPts val="0"/>
+                        </a:spcAft>
+                      </a:pPr>
+                      <a:r>
+                        <a:rPr lang="en-IN" sz="2800">
+                          <a:effectLst/>
+                        </a:rPr>
+                        <a:t>!=</a:t>
+                      </a:r>
+                      <a:endParaRPr lang="en-US" sz="2600">
+                        <a:effectLst/>
+                        <a:latin typeface="Calibri" panose="020F0502020204030204" pitchFamily="34" charset="0"/>
+                        <a:ea typeface="Calibri" panose="020F0502020204030204" pitchFamily="34" charset="0"/>
+                        <a:cs typeface="Times New Roman" panose="02020603050405020304" pitchFamily="18" charset="0"/>
+                      </a:endParaRPr>
+                    </a:p>
+                  </a:txBody>
+                  <a:tcPr marL="159318" marR="159318" marT="0" marB="0"/>
+                </a:tc>
+                <a:tc>
+                  <a:txBody>
+                    <a:bodyPr/>
+                    <a:lstStyle/>
+                    <a:p>
+                      <a:pPr marL="0" marR="0" algn="ctr">
+                        <a:spcBef>
+                          <a:spcPts val="0"/>
+                        </a:spcBef>
+                        <a:spcAft>
+                          <a:spcPts val="0"/>
+                        </a:spcAft>
+                      </a:pPr>
+                      <a:r>
+                        <a:rPr lang="en-IN" sz="2800">
+                          <a:effectLst/>
+                        </a:rPr>
+                        <a:t>&gt;=</a:t>
+                      </a:r>
+                      <a:endParaRPr lang="en-US" sz="2600">
+                        <a:effectLst/>
+                        <a:latin typeface="Calibri" panose="020F0502020204030204" pitchFamily="34" charset="0"/>
+                        <a:ea typeface="Calibri" panose="020F0502020204030204" pitchFamily="34" charset="0"/>
+                        <a:cs typeface="Times New Roman" panose="02020603050405020304" pitchFamily="18" charset="0"/>
+                      </a:endParaRPr>
+                    </a:p>
+                  </a:txBody>
+                  <a:tcPr marL="159318" marR="159318" marT="0" marB="0"/>
+                </a:tc>
+                <a:extLst>
+                  <a:ext uri="{0D108BD9-81ED-4DB2-BD59-A6C34878D82A}">
+                    <a16:rowId xmlns:a16="http://schemas.microsoft.com/office/drawing/2014/main" val="1017929766"/>
+                  </a:ext>
+                </a:extLst>
+              </a:tr>
+              <a:tr h="606293">
+                <a:tc>
+                  <a:txBody>
+                    <a:bodyPr/>
+                    <a:lstStyle/>
+                    <a:p>
+                      <a:pPr marL="0" marR="0" algn="ctr">
+                        <a:spcBef>
+                          <a:spcPts val="0"/>
+                        </a:spcBef>
+                        <a:spcAft>
+                          <a:spcPts val="0"/>
+                        </a:spcAft>
+                      </a:pPr>
+                      <a:r>
+                        <a:rPr lang="en-IN" sz="2800">
+                          <a:effectLst/>
+                        </a:rPr>
+                        <a:t>&lt;=</a:t>
+                      </a:r>
+                      <a:endParaRPr lang="en-US" sz="2600">
+                        <a:effectLst/>
+                        <a:latin typeface="Calibri" panose="020F0502020204030204" pitchFamily="34" charset="0"/>
+                        <a:ea typeface="Calibri" panose="020F0502020204030204" pitchFamily="34" charset="0"/>
+                        <a:cs typeface="Times New Roman" panose="02020603050405020304" pitchFamily="18" charset="0"/>
+                      </a:endParaRPr>
+                    </a:p>
+                  </a:txBody>
+                  <a:tcPr marL="159318" marR="159318" marT="0" marB="0"/>
+                </a:tc>
+                <a:tc>
+                  <a:txBody>
+                    <a:bodyPr/>
+                    <a:lstStyle/>
+                    <a:p>
+                      <a:pPr marL="0" marR="0" algn="ctr">
+                        <a:spcBef>
+                          <a:spcPts val="0"/>
+                        </a:spcBef>
+                        <a:spcAft>
+                          <a:spcPts val="0"/>
+                        </a:spcAft>
+                      </a:pPr>
+                      <a:r>
+                        <a:rPr lang="en-IN" sz="2800">
+                          <a:effectLst/>
+                        </a:rPr>
+                        <a:t>&lt; </a:t>
+                      </a:r>
+                      <a:endParaRPr lang="en-US" sz="2600">
+                        <a:effectLst/>
+                        <a:latin typeface="Calibri" panose="020F0502020204030204" pitchFamily="34" charset="0"/>
+                        <a:ea typeface="Calibri" panose="020F0502020204030204" pitchFamily="34" charset="0"/>
+                        <a:cs typeface="Times New Roman" panose="02020603050405020304" pitchFamily="18" charset="0"/>
+                      </a:endParaRPr>
+                    </a:p>
+                  </a:txBody>
+                  <a:tcPr marL="159318" marR="159318" marT="0" marB="0"/>
+                </a:tc>
+                <a:tc>
+                  <a:txBody>
+                    <a:bodyPr/>
+                    <a:lstStyle/>
+                    <a:p>
+                      <a:pPr marL="0" marR="0" algn="ctr">
+                        <a:spcBef>
+                          <a:spcPts val="0"/>
+                        </a:spcBef>
+                        <a:spcAft>
+                          <a:spcPts val="0"/>
+                        </a:spcAft>
+                      </a:pPr>
+                      <a:r>
+                        <a:rPr lang="en-IN" sz="2800">
+                          <a:effectLst/>
+                        </a:rPr>
+                        <a:t>==</a:t>
+                      </a:r>
+                      <a:endParaRPr lang="en-US" sz="2600">
+                        <a:effectLst/>
+                        <a:latin typeface="Calibri" panose="020F0502020204030204" pitchFamily="34" charset="0"/>
+                        <a:ea typeface="Calibri" panose="020F0502020204030204" pitchFamily="34" charset="0"/>
+                        <a:cs typeface="Times New Roman" panose="02020603050405020304" pitchFamily="18" charset="0"/>
+                      </a:endParaRPr>
+                    </a:p>
+                  </a:txBody>
+                  <a:tcPr marL="159318" marR="159318" marT="0" marB="0"/>
+                </a:tc>
+                <a:tc>
+                  <a:txBody>
+                    <a:bodyPr/>
+                    <a:lstStyle/>
+                    <a:p>
+                      <a:pPr marL="0" marR="0" algn="ctr">
+                        <a:spcBef>
+                          <a:spcPts val="0"/>
+                        </a:spcBef>
+                        <a:spcAft>
+                          <a:spcPts val="0"/>
+                        </a:spcAft>
+                      </a:pPr>
+                      <a:r>
+                        <a:rPr lang="en-IN" sz="2800">
+                          <a:effectLst/>
+                        </a:rPr>
+                        <a:t>!=</a:t>
+                      </a:r>
+                      <a:endParaRPr lang="en-US" sz="2600">
+                        <a:effectLst/>
+                        <a:latin typeface="Calibri" panose="020F0502020204030204" pitchFamily="34" charset="0"/>
+                        <a:ea typeface="Calibri" panose="020F0502020204030204" pitchFamily="34" charset="0"/>
+                        <a:cs typeface="Times New Roman" panose="02020603050405020304" pitchFamily="18" charset="0"/>
+                      </a:endParaRPr>
+                    </a:p>
+                  </a:txBody>
+                  <a:tcPr marL="159318" marR="159318" marT="0" marB="0"/>
+                </a:tc>
+                <a:tc>
+                  <a:txBody>
+                    <a:bodyPr/>
+                    <a:lstStyle/>
+                    <a:p>
+                      <a:pPr marL="0" marR="0" algn="ctr">
+                        <a:spcBef>
+                          <a:spcPts val="0"/>
+                        </a:spcBef>
+                        <a:spcAft>
+                          <a:spcPts val="0"/>
+                        </a:spcAft>
+                      </a:pPr>
+                      <a:r>
+                        <a:rPr lang="en-IN" sz="2800">
+                          <a:effectLst/>
+                        </a:rPr>
+                        <a:t>&gt;=</a:t>
+                      </a:r>
+                      <a:endParaRPr lang="en-US" sz="2600">
+                        <a:effectLst/>
+                        <a:latin typeface="Calibri" panose="020F0502020204030204" pitchFamily="34" charset="0"/>
+                        <a:ea typeface="Calibri" panose="020F0502020204030204" pitchFamily="34" charset="0"/>
+                        <a:cs typeface="Times New Roman" panose="02020603050405020304" pitchFamily="18" charset="0"/>
+                      </a:endParaRPr>
+                    </a:p>
+                  </a:txBody>
+                  <a:tcPr marL="159318" marR="159318" marT="0" marB="0"/>
+                </a:tc>
+                <a:tc>
+                  <a:txBody>
+                    <a:bodyPr/>
+                    <a:lstStyle/>
+                    <a:p>
+                      <a:pPr marL="0" marR="0" algn="ctr">
+                        <a:spcBef>
+                          <a:spcPts val="0"/>
+                        </a:spcBef>
+                        <a:spcAft>
+                          <a:spcPts val="0"/>
+                        </a:spcAft>
+                      </a:pPr>
+                      <a:r>
+                        <a:rPr lang="en-IN" sz="2800">
+                          <a:effectLst/>
+                        </a:rPr>
+                        <a:t>&gt; </a:t>
+                      </a:r>
+                      <a:endParaRPr lang="en-US" sz="2600">
+                        <a:effectLst/>
+                        <a:latin typeface="Calibri" panose="020F0502020204030204" pitchFamily="34" charset="0"/>
+                        <a:ea typeface="Calibri" panose="020F0502020204030204" pitchFamily="34" charset="0"/>
+                        <a:cs typeface="Times New Roman" panose="02020603050405020304" pitchFamily="18" charset="0"/>
+                      </a:endParaRPr>
+                    </a:p>
+                  </a:txBody>
+                  <a:tcPr marL="159318" marR="159318" marT="0" marB="0"/>
+                </a:tc>
+                <a:extLst>
+                  <a:ext uri="{0D108BD9-81ED-4DB2-BD59-A6C34878D82A}">
+                    <a16:rowId xmlns:a16="http://schemas.microsoft.com/office/drawing/2014/main" val="4255675044"/>
+                  </a:ext>
+                </a:extLst>
+              </a:tr>
+              <a:tr h="606293">
+                <a:tc>
+                  <a:txBody>
+                    <a:bodyPr/>
+                    <a:lstStyle/>
+                    <a:p>
+                      <a:pPr marL="0" marR="0" algn="ctr">
+                        <a:spcBef>
+                          <a:spcPts val="0"/>
+                        </a:spcBef>
+                        <a:spcAft>
+                          <a:spcPts val="0"/>
+                        </a:spcAft>
+                      </a:pPr>
+                      <a:r>
+                        <a:rPr lang="en-IN" sz="2800">
+                          <a:effectLst/>
+                        </a:rPr>
+                        <a:t>&lt; </a:t>
+                      </a:r>
+                      <a:endParaRPr lang="en-US" sz="2600">
+                        <a:effectLst/>
+                        <a:latin typeface="Calibri" panose="020F0502020204030204" pitchFamily="34" charset="0"/>
+                        <a:ea typeface="Calibri" panose="020F0502020204030204" pitchFamily="34" charset="0"/>
+                        <a:cs typeface="Times New Roman" panose="02020603050405020304" pitchFamily="18" charset="0"/>
+                      </a:endParaRPr>
+                    </a:p>
+                  </a:txBody>
+                  <a:tcPr marL="159318" marR="159318" marT="0" marB="0"/>
+                </a:tc>
+                <a:tc>
+                  <a:txBody>
+                    <a:bodyPr/>
+                    <a:lstStyle/>
+                    <a:p>
+                      <a:pPr marL="0" marR="0" algn="ctr">
+                        <a:spcBef>
+                          <a:spcPts val="0"/>
+                        </a:spcBef>
+                        <a:spcAft>
+                          <a:spcPts val="0"/>
+                        </a:spcAft>
+                      </a:pPr>
+                      <a:r>
+                        <a:rPr lang="en-IN" sz="2800">
+                          <a:effectLst/>
+                        </a:rPr>
+                        <a:t>==</a:t>
+                      </a:r>
+                      <a:endParaRPr lang="en-US" sz="2600">
+                        <a:effectLst/>
+                        <a:latin typeface="Calibri" panose="020F0502020204030204" pitchFamily="34" charset="0"/>
+                        <a:ea typeface="Calibri" panose="020F0502020204030204" pitchFamily="34" charset="0"/>
+                        <a:cs typeface="Times New Roman" panose="02020603050405020304" pitchFamily="18" charset="0"/>
+                      </a:endParaRPr>
+                    </a:p>
+                  </a:txBody>
+                  <a:tcPr marL="159318" marR="159318" marT="0" marB="0"/>
+                </a:tc>
+                <a:tc>
+                  <a:txBody>
+                    <a:bodyPr/>
+                    <a:lstStyle/>
+                    <a:p>
+                      <a:pPr marL="0" marR="0" algn="ctr">
+                        <a:spcBef>
+                          <a:spcPts val="0"/>
+                        </a:spcBef>
+                        <a:spcAft>
+                          <a:spcPts val="0"/>
+                        </a:spcAft>
+                      </a:pPr>
+                      <a:r>
+                        <a:rPr lang="en-IN" sz="2800">
+                          <a:effectLst/>
+                        </a:rPr>
+                        <a:t>!=</a:t>
+                      </a:r>
+                      <a:endParaRPr lang="en-US" sz="2600">
+                        <a:effectLst/>
+                        <a:latin typeface="Calibri" panose="020F0502020204030204" pitchFamily="34" charset="0"/>
+                        <a:ea typeface="Calibri" panose="020F0502020204030204" pitchFamily="34" charset="0"/>
+                        <a:cs typeface="Times New Roman" panose="02020603050405020304" pitchFamily="18" charset="0"/>
+                      </a:endParaRPr>
+                    </a:p>
+                  </a:txBody>
+                  <a:tcPr marL="159318" marR="159318" marT="0" marB="0"/>
+                </a:tc>
+                <a:tc>
+                  <a:txBody>
+                    <a:bodyPr/>
+                    <a:lstStyle/>
+                    <a:p>
+                      <a:pPr marL="0" marR="0" algn="ctr">
+                        <a:spcBef>
+                          <a:spcPts val="0"/>
+                        </a:spcBef>
+                        <a:spcAft>
+                          <a:spcPts val="0"/>
+                        </a:spcAft>
+                      </a:pPr>
+                      <a:r>
+                        <a:rPr lang="en-IN" sz="2800">
+                          <a:effectLst/>
+                        </a:rPr>
+                        <a:t>&gt;=</a:t>
+                      </a:r>
+                      <a:endParaRPr lang="en-US" sz="2600">
+                        <a:effectLst/>
+                        <a:latin typeface="Calibri" panose="020F0502020204030204" pitchFamily="34" charset="0"/>
+                        <a:ea typeface="Calibri" panose="020F0502020204030204" pitchFamily="34" charset="0"/>
+                        <a:cs typeface="Times New Roman" panose="02020603050405020304" pitchFamily="18" charset="0"/>
+                      </a:endParaRPr>
+                    </a:p>
+                  </a:txBody>
+                  <a:tcPr marL="159318" marR="159318" marT="0" marB="0"/>
+                </a:tc>
+                <a:tc>
+                  <a:txBody>
+                    <a:bodyPr/>
+                    <a:lstStyle/>
+                    <a:p>
+                      <a:pPr marL="0" marR="0" algn="ctr">
+                        <a:spcBef>
+                          <a:spcPts val="0"/>
+                        </a:spcBef>
+                        <a:spcAft>
+                          <a:spcPts val="0"/>
+                        </a:spcAft>
+                      </a:pPr>
+                      <a:r>
+                        <a:rPr lang="en-IN" sz="2800">
+                          <a:effectLst/>
+                        </a:rPr>
+                        <a:t>&gt; </a:t>
+                      </a:r>
+                      <a:endParaRPr lang="en-US" sz="2600">
+                        <a:effectLst/>
+                        <a:latin typeface="Calibri" panose="020F0502020204030204" pitchFamily="34" charset="0"/>
+                        <a:ea typeface="Calibri" panose="020F0502020204030204" pitchFamily="34" charset="0"/>
+                        <a:cs typeface="Times New Roman" panose="02020603050405020304" pitchFamily="18" charset="0"/>
+                      </a:endParaRPr>
+                    </a:p>
+                  </a:txBody>
+                  <a:tcPr marL="159318" marR="159318" marT="0" marB="0"/>
+                </a:tc>
+                <a:tc>
+                  <a:txBody>
+                    <a:bodyPr/>
+                    <a:lstStyle/>
+                    <a:p>
+                      <a:pPr marL="0" marR="0" algn="ctr">
+                        <a:spcBef>
+                          <a:spcPts val="0"/>
+                        </a:spcBef>
+                        <a:spcAft>
+                          <a:spcPts val="0"/>
+                        </a:spcAft>
+                      </a:pPr>
+                      <a:r>
+                        <a:rPr lang="en-IN" sz="2800" dirty="0">
+                          <a:effectLst/>
+                        </a:rPr>
+                        <a:t>&lt;=</a:t>
+                      </a:r>
+                      <a:endParaRPr lang="en-US" sz="2600" dirty="0">
+                        <a:effectLst/>
+                        <a:latin typeface="Calibri" panose="020F0502020204030204" pitchFamily="34" charset="0"/>
+                        <a:ea typeface="Calibri" panose="020F0502020204030204" pitchFamily="34" charset="0"/>
+                        <a:cs typeface="Times New Roman" panose="02020603050405020304" pitchFamily="18" charset="0"/>
+                      </a:endParaRPr>
+                    </a:p>
+                  </a:txBody>
+                  <a:tcPr marL="159318" marR="159318" marT="0" marB="0"/>
+                </a:tc>
+                <a:extLst>
+                  <a:ext uri="{0D108BD9-81ED-4DB2-BD59-A6C34878D82A}">
+                    <a16:rowId xmlns:a16="http://schemas.microsoft.com/office/drawing/2014/main" val="798441980"/>
+                  </a:ext>
+                </a:extLst>
+              </a:tr>
+            </a:tbl>
+          </a:graphicData>
+        </a:graphic>
+      </p:graphicFrame>
+      <p:sp>
+        <p:nvSpPr>
+          <p:cNvPr id="7" name="Rectangle 6"/>
+          <p:cNvSpPr/>
+          <p:nvPr/>
+        </p:nvSpPr>
+        <p:spPr>
+          <a:xfrm>
+            <a:off x="6662299" y="2741611"/>
+            <a:ext cx="5401315" cy="3638871"/>
+          </a:xfrm>
+          <a:prstGeom prst="rect">
+            <a:avLst/>
+          </a:prstGeom>
+          <a:noFill/>
+          <a:ln>
+            <a:noFill/>
+          </a:ln>
+        </p:spPr>
+        <p:style>
+          <a:lnRef idx="2">
+            <a:schemeClr val="accent1">
+              <a:shade val="50000"/>
+            </a:schemeClr>
+          </a:lnRef>
+          <a:fillRef idx="1">
+            <a:schemeClr val="accent1"/>
+          </a:fillRef>
+          <a:effectRef idx="0">
+            <a:schemeClr val="accent1"/>
+          </a:effectRef>
+          <a:fontRef idx="minor">
+            <a:schemeClr val="lt1"/>
+          </a:fontRef>
+        </p:style>
+        <p:txBody>
+          <a:bodyPr rtlCol="0" anchor="ctr"/>
+          <a:lstStyle/>
+          <a:p>
+            <a:r>
+              <a:rPr lang="en-IN" dirty="0">
+                <a:solidFill>
+                  <a:schemeClr val="tx1"/>
+                </a:solidFill>
+              </a:rPr>
+              <a:t>We used the same approach as the </a:t>
+            </a:r>
+            <a:r>
+              <a:rPr lang="en-IN" dirty="0" err="1">
+                <a:solidFill>
+                  <a:schemeClr val="tx1"/>
+                </a:solidFill>
+              </a:rPr>
+              <a:t>mutators</a:t>
+            </a:r>
+            <a:r>
+              <a:rPr lang="en-IN" dirty="0">
+                <a:solidFill>
+                  <a:schemeClr val="tx1"/>
+                </a:solidFill>
+              </a:rPr>
+              <a:t> dealing with relational operators such as Conditional Boundary </a:t>
+            </a:r>
+            <a:r>
+              <a:rPr lang="en-IN" dirty="0" err="1">
+                <a:solidFill>
+                  <a:schemeClr val="tx1"/>
+                </a:solidFill>
+              </a:rPr>
+              <a:t>Mutator</a:t>
+            </a:r>
+            <a:r>
+              <a:rPr lang="en-IN" dirty="0">
+                <a:solidFill>
+                  <a:schemeClr val="tx1"/>
+                </a:solidFill>
+              </a:rPr>
+              <a:t>.</a:t>
+            </a:r>
+          </a:p>
+          <a:p>
+            <a:endParaRPr lang="en-US" dirty="0">
+              <a:solidFill>
+                <a:schemeClr val="tx1"/>
+              </a:solidFill>
+            </a:endParaRPr>
+          </a:p>
+        </p:txBody>
+      </p:sp>
+    </p:spTree>
+    <p:extLst>
+      <p:ext uri="{BB962C8B-B14F-4D97-AF65-F5344CB8AC3E}">
+        <p14:creationId xmlns:p14="http://schemas.microsoft.com/office/powerpoint/2010/main" val="834307621"/>
+      </p:ext>
+    </p:extLst>
+  </p:cSld>
+  <p:clrMapOvr>
+    <a:masterClrMapping/>
+  </p:clrMapOvr>
+</p:sld>
+</file>
+
+<file path=ppt/slides/slide7.xml><?xml version="1.0" encoding="utf-8"?>
+<p:sld xmlns:a="http://schemas.openxmlformats.org/drawingml/2006/main" xmlns:r="http://schemas.openxmlformats.org/officeDocument/2006/relationships" xmlns:p="http://schemas.openxmlformats.org/presentationml/2006/main">
+  <p:cSld>
+    <p:spTree>
+      <p:nvGrpSpPr>
+        <p:cNvPr id="1" name=""/>
+        <p:cNvGrpSpPr/>
+        <p:nvPr/>
+      </p:nvGrpSpPr>
+      <p:grpSpPr>
+        <a:xfrm>
+          <a:off x="0" y="0"/>
+          <a:ext cx="0" cy="0"/>
+          <a:chOff x="0" y="0"/>
+          <a:chExt cx="0" cy="0"/>
+        </a:xfrm>
+      </p:grpSpPr>
+      <p:sp>
+        <p:nvSpPr>
+          <p:cNvPr id="2" name="Title 1"/>
+          <p:cNvSpPr>
+            <a:spLocks noGrp="1"/>
+          </p:cNvSpPr>
+          <p:nvPr>
+            <p:ph type="title"/>
+          </p:nvPr>
+        </p:nvSpPr>
+        <p:spPr>
+          <a:xfrm>
+            <a:off x="838200" y="328179"/>
+            <a:ext cx="10515600" cy="1325563"/>
+          </a:xfrm>
+        </p:spPr>
+        <p:txBody>
+          <a:bodyPr/>
+          <a:lstStyle/>
+          <a:p>
+            <a:pPr algn="ctr"/>
+            <a:r>
+              <a:rPr lang="en-US" dirty="0"/>
+              <a:t>ROR Implementation</a:t>
+            </a:r>
+          </a:p>
+        </p:txBody>
+      </p:sp>
+      <p:sp>
+        <p:nvSpPr>
+          <p:cNvPr id="4" name="Rectangle 3"/>
+          <p:cNvSpPr/>
+          <p:nvPr/>
+        </p:nvSpPr>
+        <p:spPr>
+          <a:xfrm>
+            <a:off x="1357745" y="1551709"/>
+            <a:ext cx="9522691" cy="4156364"/>
+          </a:xfrm>
+          <a:prstGeom prst="rect">
+            <a:avLst/>
+          </a:prstGeom>
+          <a:noFill/>
+          <a:ln>
+            <a:noFill/>
+          </a:ln>
+        </p:spPr>
+        <p:style>
+          <a:lnRef idx="2">
+            <a:schemeClr val="accent1">
+              <a:shade val="50000"/>
+            </a:schemeClr>
+          </a:lnRef>
+          <a:fillRef idx="1">
+            <a:schemeClr val="accent1"/>
+          </a:fillRef>
+          <a:effectRef idx="0">
+            <a:schemeClr val="accent1"/>
+          </a:effectRef>
+          <a:fontRef idx="minor">
+            <a:schemeClr val="lt1"/>
+          </a:fontRef>
+        </p:style>
+        <p:txBody>
+          <a:bodyPr rtlCol="0" anchor="ctr"/>
+          <a:lstStyle/>
+          <a:p>
+            <a:pPr algn="ctr"/>
+            <a:endParaRPr lang="en-US"/>
+          </a:p>
+        </p:txBody>
+      </p:sp>
+      <p:sp>
+        <p:nvSpPr>
+          <p:cNvPr id="5" name="Rectangle 4"/>
+          <p:cNvSpPr/>
+          <p:nvPr/>
+        </p:nvSpPr>
+        <p:spPr>
+          <a:xfrm>
+            <a:off x="304799" y="1690687"/>
+            <a:ext cx="11647055" cy="1186585"/>
+          </a:xfrm>
+          <a:prstGeom prst="rect">
+            <a:avLst/>
+          </a:prstGeom>
+          <a:noFill/>
+          <a:ln>
+            <a:noFill/>
+          </a:ln>
+        </p:spPr>
+        <p:style>
+          <a:lnRef idx="2">
+            <a:schemeClr val="accent1">
+              <a:shade val="50000"/>
+            </a:schemeClr>
+          </a:lnRef>
+          <a:fillRef idx="1">
+            <a:schemeClr val="accent1"/>
+          </a:fillRef>
+          <a:effectRef idx="0">
+            <a:schemeClr val="accent1"/>
+          </a:effectRef>
+          <a:fontRef idx="minor">
+            <a:schemeClr val="lt1"/>
+          </a:fontRef>
+        </p:style>
+        <p:txBody>
+          <a:bodyPr rtlCol="0" anchor="ctr"/>
+          <a:lstStyle/>
+          <a:p>
+            <a:pPr marL="285750" indent="-285750">
+              <a:buFont typeface="Arial" panose="020B0604020202020204" pitchFamily="34" charset="0"/>
+              <a:buChar char="•"/>
+            </a:pPr>
+            <a:r>
+              <a:rPr lang="en-IN" dirty="0">
+                <a:solidFill>
+                  <a:schemeClr val="tx1"/>
+                </a:solidFill>
+              </a:rPr>
+              <a:t>Created a class containing six </a:t>
+            </a:r>
+            <a:r>
+              <a:rPr lang="en-IN" dirty="0" err="1">
+                <a:solidFill>
+                  <a:schemeClr val="tx1"/>
+                </a:solidFill>
+              </a:rPr>
+              <a:t>enum</a:t>
+            </a:r>
+            <a:r>
+              <a:rPr lang="en-IN" dirty="0">
+                <a:solidFill>
+                  <a:schemeClr val="tx1"/>
+                </a:solidFill>
+              </a:rPr>
+              <a:t> types, each implementing the </a:t>
+            </a:r>
+            <a:r>
+              <a:rPr lang="en-IN" dirty="0" err="1">
+                <a:solidFill>
+                  <a:schemeClr val="tx1"/>
+                </a:solidFill>
+              </a:rPr>
+              <a:t>MethodMutatorFactory</a:t>
+            </a:r>
+            <a:r>
+              <a:rPr lang="en-IN" dirty="0">
+                <a:solidFill>
+                  <a:schemeClr val="tx1"/>
+                </a:solidFill>
+              </a:rPr>
+              <a:t>.</a:t>
+            </a:r>
+          </a:p>
+          <a:p>
+            <a:pPr marL="285750" indent="-285750">
+              <a:buFont typeface="Arial" panose="020B0604020202020204" pitchFamily="34" charset="0"/>
+              <a:buChar char="•"/>
+            </a:pPr>
+            <a:r>
+              <a:rPr lang="en-IN" dirty="0">
+                <a:solidFill>
+                  <a:schemeClr val="tx1"/>
+                </a:solidFill>
+              </a:rPr>
+              <a:t>Each </a:t>
+            </a:r>
+            <a:r>
+              <a:rPr lang="en-IN" dirty="0" err="1">
+                <a:solidFill>
+                  <a:schemeClr val="tx1"/>
+                </a:solidFill>
+              </a:rPr>
+              <a:t>enum</a:t>
+            </a:r>
+            <a:r>
+              <a:rPr lang="en-IN" dirty="0">
+                <a:solidFill>
+                  <a:schemeClr val="tx1"/>
+                </a:solidFill>
+              </a:rPr>
+              <a:t> created a </a:t>
+            </a:r>
+            <a:r>
+              <a:rPr lang="en-IN" dirty="0" err="1">
+                <a:solidFill>
+                  <a:schemeClr val="tx1"/>
+                </a:solidFill>
+              </a:rPr>
+              <a:t>MethodVisitor</a:t>
+            </a:r>
+            <a:r>
+              <a:rPr lang="en-IN" dirty="0">
+                <a:solidFill>
+                  <a:schemeClr val="tx1"/>
+                </a:solidFill>
+              </a:rPr>
+              <a:t> that handled a certain case.</a:t>
+            </a:r>
+          </a:p>
+          <a:p>
+            <a:pPr marL="285750" indent="-285750">
+              <a:buFont typeface="Arial" panose="020B0604020202020204" pitchFamily="34" charset="0"/>
+              <a:buChar char="•"/>
+            </a:pPr>
+            <a:r>
+              <a:rPr lang="en-IN" dirty="0">
+                <a:solidFill>
+                  <a:schemeClr val="tx1"/>
+                </a:solidFill>
+              </a:rPr>
+              <a:t>Each method visitor extended </a:t>
+            </a:r>
+            <a:r>
+              <a:rPr lang="en-IN" dirty="0" err="1">
+                <a:solidFill>
+                  <a:schemeClr val="tx1"/>
+                </a:solidFill>
+              </a:rPr>
+              <a:t>AbstractJumpMutator</a:t>
+            </a:r>
+            <a:r>
+              <a:rPr lang="en-IN" dirty="0">
+                <a:solidFill>
+                  <a:schemeClr val="tx1"/>
+                </a:solidFill>
+              </a:rPr>
+              <a:t> which contain the Substitution class used for replacement.</a:t>
+            </a:r>
+          </a:p>
+          <a:p>
+            <a:pPr marL="285750" indent="-285750">
+              <a:buFont typeface="Arial" panose="020B0604020202020204" pitchFamily="34" charset="0"/>
+              <a:buChar char="•"/>
+            </a:pPr>
+            <a:r>
+              <a:rPr lang="en-IN" dirty="0">
+                <a:solidFill>
+                  <a:schemeClr val="tx1"/>
+                </a:solidFill>
+              </a:rPr>
+              <a:t>Snippet of the method visitor that handled the replacement of operators to java code ‘!=‘ or JVM bytecode ‘==‘.</a:t>
+            </a:r>
+            <a:endParaRPr lang="en-US" dirty="0">
+              <a:solidFill>
+                <a:schemeClr val="tx1"/>
+              </a:solidFill>
+            </a:endParaRPr>
+          </a:p>
+        </p:txBody>
+      </p:sp>
+      <p:pic>
+        <p:nvPicPr>
+          <p:cNvPr id="6" name="Picture 5"/>
+          <p:cNvPicPr>
+            <a:picLocks noChangeAspect="1"/>
+          </p:cNvPicPr>
+          <p:nvPr/>
+        </p:nvPicPr>
+        <p:blipFill>
+          <a:blip r:embed="rId2"/>
+          <a:stretch>
+            <a:fillRect/>
+          </a:stretch>
+        </p:blipFill>
+        <p:spPr>
+          <a:xfrm>
+            <a:off x="1810402" y="3303752"/>
+            <a:ext cx="8312577" cy="2546481"/>
+          </a:xfrm>
+          <a:prstGeom prst="rect">
+            <a:avLst/>
+          </a:prstGeom>
+          <a:solidFill>
+            <a:srgbClr val="FFFFFF">
+              <a:shade val="85000"/>
+            </a:srgbClr>
+          </a:solidFill>
+          <a:ln w="88900" cap="sq">
+            <a:solidFill>
+              <a:srgbClr val="FFFFFF"/>
+            </a:solidFill>
+            <a:miter lim="800000"/>
+          </a:ln>
+          <a:effectLst>
+            <a:outerShdw blurRad="55000" dist="18000" dir="5400000" algn="tl" rotWithShape="0">
+              <a:srgbClr val="000000">
+                <a:alpha val="40000"/>
+              </a:srgbClr>
+            </a:outerShdw>
+          </a:effectLst>
+          <a:scene3d>
+            <a:camera prst="orthographicFront"/>
+            <a:lightRig rig="twoPt" dir="t">
+              <a:rot lat="0" lon="0" rev="7200000"/>
+            </a:lightRig>
+          </a:scene3d>
+          <a:sp3d>
+            <a:bevelT w="25400" h="19050"/>
+            <a:contourClr>
+              <a:srgbClr val="FFFFFF"/>
+            </a:contourClr>
+          </a:sp3d>
+        </p:spPr>
+      </p:pic>
+    </p:spTree>
+    <p:extLst>
+      <p:ext uri="{BB962C8B-B14F-4D97-AF65-F5344CB8AC3E}">
+        <p14:creationId xmlns:p14="http://schemas.microsoft.com/office/powerpoint/2010/main" val="307246228"/>
+      </p:ext>
+    </p:extLst>
+  </p:cSld>
+  <p:clrMapOvr>
+    <a:masterClrMapping/>
+  </p:clrMapOvr>
+</p:sld>
+</file>
+
+<file path=ppt/slides/slide8.xml><?xml version="1.0" encoding="utf-8"?>
+<p:sld xmlns:a="http://schemas.openxmlformats.org/drawingml/2006/main" xmlns:r="http://schemas.openxmlformats.org/officeDocument/2006/relationships" xmlns:p="http://schemas.openxmlformats.org/presentationml/2006/main">
+  <p:cSld>
+    <p:spTree>
+      <p:nvGrpSpPr>
+        <p:cNvPr id="1" name=""/>
+        <p:cNvGrpSpPr/>
+        <p:nvPr/>
+      </p:nvGrpSpPr>
+      <p:grpSpPr>
+        <a:xfrm>
+          <a:off x="0" y="0"/>
+          <a:ext cx="0" cy="0"/>
+          <a:chOff x="0" y="0"/>
+          <a:chExt cx="0" cy="0"/>
+        </a:xfrm>
+      </p:grpSpPr>
+      <p:sp>
+        <p:nvSpPr>
+          <p:cNvPr id="2" name="Title 1"/>
+          <p:cNvSpPr>
+            <a:spLocks noGrp="1"/>
+          </p:cNvSpPr>
+          <p:nvPr>
+            <p:ph type="title"/>
+          </p:nvPr>
+        </p:nvSpPr>
+        <p:spPr>
+          <a:xfrm>
+            <a:off x="838200" y="328179"/>
+            <a:ext cx="10515600" cy="1325563"/>
+          </a:xfrm>
+        </p:spPr>
+        <p:txBody>
+          <a:bodyPr/>
+          <a:lstStyle/>
+          <a:p>
+            <a:pPr algn="ctr"/>
+            <a:r>
+              <a:rPr lang="en-US" dirty="0"/>
+              <a:t>ROR Implementation</a:t>
+            </a:r>
+          </a:p>
+        </p:txBody>
+      </p:sp>
+      <p:sp>
+        <p:nvSpPr>
+          <p:cNvPr id="4" name="Rectangle 3"/>
+          <p:cNvSpPr/>
+          <p:nvPr/>
+        </p:nvSpPr>
+        <p:spPr>
+          <a:xfrm>
+            <a:off x="1357745" y="1551709"/>
+            <a:ext cx="9522691" cy="4156364"/>
+          </a:xfrm>
+          <a:prstGeom prst="rect">
+            <a:avLst/>
+          </a:prstGeom>
+          <a:noFill/>
+          <a:ln>
+            <a:noFill/>
+          </a:ln>
+        </p:spPr>
+        <p:style>
+          <a:lnRef idx="2">
+            <a:schemeClr val="accent1">
+              <a:shade val="50000"/>
+            </a:schemeClr>
+          </a:lnRef>
+          <a:fillRef idx="1">
+            <a:schemeClr val="accent1"/>
+          </a:fillRef>
+          <a:effectRef idx="0">
+            <a:schemeClr val="accent1"/>
+          </a:effectRef>
+          <a:fontRef idx="minor">
+            <a:schemeClr val="lt1"/>
+          </a:fontRef>
+        </p:style>
+        <p:txBody>
+          <a:bodyPr rtlCol="0" anchor="ctr"/>
+          <a:lstStyle/>
+          <a:p>
+            <a:pPr algn="ctr"/>
+            <a:endParaRPr lang="en-US"/>
+          </a:p>
+        </p:txBody>
+      </p:sp>
+      <p:sp>
+        <p:nvSpPr>
+          <p:cNvPr id="5" name="Rectangle 4"/>
+          <p:cNvSpPr/>
+          <p:nvPr/>
+        </p:nvSpPr>
+        <p:spPr>
+          <a:xfrm>
+            <a:off x="304799" y="1690687"/>
+            <a:ext cx="11647055" cy="1186585"/>
+          </a:xfrm>
+          <a:prstGeom prst="rect">
+            <a:avLst/>
+          </a:prstGeom>
+          <a:noFill/>
+          <a:ln>
+            <a:noFill/>
+          </a:ln>
+        </p:spPr>
+        <p:style>
+          <a:lnRef idx="2">
+            <a:schemeClr val="accent1">
+              <a:shade val="50000"/>
+            </a:schemeClr>
+          </a:lnRef>
+          <a:fillRef idx="1">
+            <a:schemeClr val="accent1"/>
+          </a:fillRef>
+          <a:effectRef idx="0">
+            <a:schemeClr val="accent1"/>
+          </a:effectRef>
+          <a:fontRef idx="minor">
+            <a:schemeClr val="lt1"/>
+          </a:fontRef>
+        </p:style>
+        <p:txBody>
+          <a:bodyPr rtlCol="0" anchor="ctr"/>
+          <a:lstStyle/>
+          <a:p>
+            <a:pPr marL="285750" indent="-285750">
+              <a:buFont typeface="Arial" panose="020B0604020202020204" pitchFamily="34" charset="0"/>
+              <a:buChar char="•"/>
+            </a:pPr>
+            <a:r>
+              <a:rPr lang="en-IN" dirty="0">
+                <a:solidFill>
+                  <a:schemeClr val="tx1"/>
+                </a:solidFill>
+              </a:rPr>
+              <a:t>Created a class containing six </a:t>
+            </a:r>
+            <a:r>
+              <a:rPr lang="en-IN" dirty="0" err="1">
+                <a:solidFill>
+                  <a:schemeClr val="tx1"/>
+                </a:solidFill>
+              </a:rPr>
+              <a:t>enum</a:t>
+            </a:r>
+            <a:r>
+              <a:rPr lang="en-IN" dirty="0">
+                <a:solidFill>
+                  <a:schemeClr val="tx1"/>
+                </a:solidFill>
+              </a:rPr>
+              <a:t> types, each implementing the </a:t>
+            </a:r>
+            <a:r>
+              <a:rPr lang="en-IN" dirty="0" err="1">
+                <a:solidFill>
+                  <a:schemeClr val="tx1"/>
+                </a:solidFill>
+              </a:rPr>
+              <a:t>MethodMutatorFactory</a:t>
+            </a:r>
+            <a:r>
+              <a:rPr lang="en-IN" dirty="0">
+                <a:solidFill>
+                  <a:schemeClr val="tx1"/>
+                </a:solidFill>
+              </a:rPr>
+              <a:t>.</a:t>
+            </a:r>
+          </a:p>
+          <a:p>
+            <a:pPr marL="285750" indent="-285750">
+              <a:buFont typeface="Arial" panose="020B0604020202020204" pitchFamily="34" charset="0"/>
+              <a:buChar char="•"/>
+            </a:pPr>
+            <a:r>
+              <a:rPr lang="en-IN" dirty="0">
+                <a:solidFill>
+                  <a:schemeClr val="tx1"/>
+                </a:solidFill>
+              </a:rPr>
+              <a:t>Each </a:t>
+            </a:r>
+            <a:r>
+              <a:rPr lang="en-IN" dirty="0" err="1">
+                <a:solidFill>
+                  <a:schemeClr val="tx1"/>
+                </a:solidFill>
+              </a:rPr>
+              <a:t>enum</a:t>
+            </a:r>
+            <a:r>
+              <a:rPr lang="en-IN" dirty="0">
+                <a:solidFill>
+                  <a:schemeClr val="tx1"/>
+                </a:solidFill>
+              </a:rPr>
+              <a:t> created a </a:t>
+            </a:r>
+            <a:r>
+              <a:rPr lang="en-IN" dirty="0" err="1">
+                <a:solidFill>
+                  <a:schemeClr val="tx1"/>
+                </a:solidFill>
+              </a:rPr>
+              <a:t>MethodVisitor</a:t>
+            </a:r>
+            <a:r>
+              <a:rPr lang="en-IN" dirty="0">
+                <a:solidFill>
+                  <a:schemeClr val="tx1"/>
+                </a:solidFill>
+              </a:rPr>
+              <a:t> that handled a certain case.</a:t>
+            </a:r>
+          </a:p>
+          <a:p>
+            <a:pPr marL="285750" indent="-285750">
+              <a:buFont typeface="Arial" panose="020B0604020202020204" pitchFamily="34" charset="0"/>
+              <a:buChar char="•"/>
+            </a:pPr>
+            <a:r>
+              <a:rPr lang="en-IN" dirty="0">
+                <a:solidFill>
+                  <a:schemeClr val="tx1"/>
+                </a:solidFill>
+              </a:rPr>
+              <a:t>Snippet of the method visitor that handled the replacement of operators to java code ‘!=‘ or JVM bytecode ‘==‘.</a:t>
+            </a:r>
+            <a:endParaRPr lang="en-US" dirty="0">
+              <a:solidFill>
+                <a:schemeClr val="tx1"/>
+              </a:solidFill>
+            </a:endParaRPr>
+          </a:p>
+        </p:txBody>
+      </p:sp>
+      <p:pic>
+        <p:nvPicPr>
+          <p:cNvPr id="3" name="Picture 2"/>
+          <p:cNvPicPr>
+            <a:picLocks noChangeAspect="1"/>
+          </p:cNvPicPr>
+          <p:nvPr/>
+        </p:nvPicPr>
+        <p:blipFill>
+          <a:blip r:embed="rId2"/>
+          <a:stretch>
+            <a:fillRect/>
+          </a:stretch>
+        </p:blipFill>
+        <p:spPr>
+          <a:xfrm>
+            <a:off x="1662037" y="3119806"/>
+            <a:ext cx="8553890" cy="2521080"/>
+          </a:xfrm>
+          <a:prstGeom prst="rect">
+            <a:avLst/>
+          </a:prstGeom>
+        </p:spPr>
+      </p:pic>
+    </p:spTree>
+    <p:extLst>
+      <p:ext uri="{BB962C8B-B14F-4D97-AF65-F5344CB8AC3E}">
+        <p14:creationId xmlns:p14="http://schemas.microsoft.com/office/powerpoint/2010/main" val="4274451691"/>
+      </p:ext>
+    </p:extLst>
+  </p:cSld>
+  <p:clrMapOvr>
+    <a:masterClrMapping/>
+  </p:clrMapOvr>
+</p:sld>
+</file>
+
 <file path=ppt/theme/theme1.xml><?xml version="1.0" encoding="utf-8"?>
 <a:theme xmlns:a="http://schemas.openxmlformats.org/drawingml/2006/main" name="Office Theme">
   <a:themeElements>
